--- a/Leapin’ llamas.pptx
+++ b/Leapin’ llamas.pptx
@@ -9,9 +9,11 @@
     <p:sldId id="257" r:id="rId3"/>
     <p:sldId id="258" r:id="rId4"/>
     <p:sldId id="259" r:id="rId5"/>
-    <p:sldId id="260" r:id="rId6"/>
-    <p:sldId id="261" r:id="rId7"/>
-    <p:sldId id="262" r:id="rId8"/>
+    <p:sldId id="263" r:id="rId6"/>
+    <p:sldId id="264" r:id="rId7"/>
+    <p:sldId id="260" r:id="rId8"/>
+    <p:sldId id="261" r:id="rId9"/>
+    <p:sldId id="262" r:id="rId10"/>
   </p:sldIdLst>
   <p:sldSz cx="12192000" cy="6858000"/>
   <p:notesSz cx="6858000" cy="9144000"/>
@@ -281,7 +283,7 @@
           <a:p>
             <a:fld id="{1160EA64-D806-43AC-9DF2-F8C432F32B4C}" type="datetimeFigureOut">
               <a:rPr lang="en-US" dirty="0"/>
-              <a:t>12/5/2018</a:t>
+              <a:t>12/6/2018</a:t>
             </a:fld>
             <a:endParaRPr lang="en-US" dirty="0"/>
           </a:p>
@@ -447,7 +449,7 @@
           <a:p>
             <a:fld id="{E9F9C37B-1D36-470B-8223-D6C91242EC14}" type="datetimeFigureOut">
               <a:rPr lang="en-US" dirty="0"/>
-              <a:t>12/5/2018</a:t>
+              <a:t>12/6/2018</a:t>
             </a:fld>
             <a:endParaRPr lang="en-US" dirty="0"/>
           </a:p>
@@ -622,7 +624,7 @@
           <a:p>
             <a:fld id="{67C6F52A-A82B-47A2-A83A-8C4C91F2D59F}" type="datetimeFigureOut">
               <a:rPr lang="en-US" dirty="0"/>
-              <a:t>12/5/2018</a:t>
+              <a:t>12/6/2018</a:t>
             </a:fld>
             <a:endParaRPr lang="en-US" dirty="0"/>
           </a:p>
@@ -787,7 +789,7 @@
           <a:p>
             <a:fld id="{F070A7B3-6521-4DCA-87E5-044747A908C1}" type="datetimeFigureOut">
               <a:rPr lang="en-US" dirty="0"/>
-              <a:t>12/5/2018</a:t>
+              <a:t>12/6/2018</a:t>
             </a:fld>
             <a:endParaRPr lang="en-US" dirty="0"/>
           </a:p>
@@ -1051,7 +1053,7 @@
           <a:p>
             <a:fld id="{1160EA64-D806-43AC-9DF2-F8C432F32B4C}" type="datetimeFigureOut">
               <a:rPr lang="en-US" dirty="0"/>
-              <a:t>12/5/2018</a:t>
+              <a:t>12/6/2018</a:t>
             </a:fld>
             <a:endParaRPr lang="en-US" dirty="0"/>
           </a:p>
@@ -1279,7 +1281,7 @@
           <a:p>
             <a:fld id="{AB134690-1557-4C89-A502-4959FE7FAD70}" type="datetimeFigureOut">
               <a:rPr lang="en-US" dirty="0"/>
-              <a:t>12/5/2018</a:t>
+              <a:t>12/6/2018</a:t>
             </a:fld>
             <a:endParaRPr lang="en-US" dirty="0"/>
           </a:p>
@@ -1629,7 +1631,7 @@
           <a:p>
             <a:fld id="{4F7D4976-E339-4826-83B7-FBD03F55ECF8}" type="datetimeFigureOut">
               <a:rPr lang="en-US" dirty="0"/>
-              <a:t>12/5/2018</a:t>
+              <a:t>12/6/2018</a:t>
             </a:fld>
             <a:endParaRPr lang="en-US" dirty="0"/>
           </a:p>
@@ -1765,7 +1767,7 @@
           <a:p>
             <a:fld id="{E1037C31-9E7A-4F99-8774-A0E530DE1A42}" type="datetimeFigureOut">
               <a:rPr lang="en-US" dirty="0"/>
-              <a:t>12/5/2018</a:t>
+              <a:t>12/6/2018</a:t>
             </a:fld>
             <a:endParaRPr lang="en-US" dirty="0"/>
           </a:p>
@@ -1855,7 +1857,7 @@
           <a:p>
             <a:fld id="{C278504F-A551-4DE0-9316-4DCD1D8CC752}" type="datetimeFigureOut">
               <a:rPr lang="en-US" dirty="0"/>
-              <a:t>12/5/2018</a:t>
+              <a:t>12/6/2018</a:t>
             </a:fld>
             <a:endParaRPr lang="en-US" dirty="0"/>
           </a:p>
@@ -2207,7 +2209,7 @@
           <a:p>
             <a:fld id="{1160EA64-D806-43AC-9DF2-F8C432F32B4C}" type="datetimeFigureOut">
               <a:rPr lang="en-US" dirty="0"/>
-              <a:t>12/5/2018</a:t>
+              <a:t>12/6/2018</a:t>
             </a:fld>
             <a:endParaRPr lang="en-US" dirty="0"/>
           </a:p>
@@ -2560,7 +2562,7 @@
             <a:fld id="{1160EA64-D806-43AC-9DF2-F8C432F32B4C}" type="datetimeFigureOut">
               <a:rPr lang="en-US" dirty="0"/>
               <a:pPr/>
-              <a:t>12/5/2018</a:t>
+              <a:t>12/6/2018</a:t>
             </a:fld>
             <a:endParaRPr lang="en-US" dirty="0"/>
           </a:p>
@@ -2795,7 +2797,7 @@
           <a:p>
             <a:fld id="{1160EA64-D806-43AC-9DF2-F8C432F32B4C}" type="datetimeFigureOut">
               <a:rPr lang="en-US" dirty="0"/>
-              <a:t>12/5/2018</a:t>
+              <a:t>12/6/2018</a:t>
             </a:fld>
             <a:endParaRPr lang="en-US" dirty="0"/>
           </a:p>
@@ -3347,6 +3349,36 @@
           </a:p>
         </p:txBody>
       </p:sp>
+      <p:pic>
+        <p:nvPicPr>
+          <p:cNvPr id="5" name="Picture 4">
+            <a:extLst>
+              <a:ext uri="{FF2B5EF4-FFF2-40B4-BE49-F238E27FC236}">
+                <a16:creationId xmlns:a16="http://schemas.microsoft.com/office/drawing/2014/main" id="{7C8D8297-71A5-40FC-AD00-2519A567679E}"/>
+              </a:ext>
+            </a:extLst>
+          </p:cNvPr>
+          <p:cNvPicPr>
+            <a:picLocks noChangeAspect="1"/>
+          </p:cNvPicPr>
+          <p:nvPr/>
+        </p:nvPicPr>
+        <p:blipFill>
+          <a:blip r:embed="rId2"/>
+          <a:stretch>
+            <a:fillRect/>
+          </a:stretch>
+        </p:blipFill>
+        <p:spPr>
+          <a:xfrm>
+            <a:off x="4444250" y="0"/>
+            <a:ext cx="3113589" cy="3056283"/>
+          </a:xfrm>
+          <a:prstGeom prst="rect">
+            <a:avLst/>
+          </a:prstGeom>
+        </p:spPr>
+      </p:pic>
     </p:spTree>
     <p:extLst>
       <p:ext uri="{BB962C8B-B14F-4D97-AF65-F5344CB8AC3E}">
@@ -3473,7 +3505,7 @@
             </a:pPr>
             <a:r>
               <a:rPr lang="en-US" sz="2800" dirty="0"/>
-              <a:t>WHY?</a:t>
+              <a:t>INFO</a:t>
             </a:r>
           </a:p>
           <a:p>
@@ -3483,7 +3515,7 @@
             </a:pPr>
             <a:r>
               <a:rPr lang="en-US" sz="2400" dirty="0"/>
-              <a:t>We thought a game would be both challenging and fun</a:t>
+              <a:t>Flappy Bird is a game where the player must keep a bird in flight while jumping over randomly spawning pipes.</a:t>
             </a:r>
           </a:p>
           <a:p>
@@ -3492,7 +3524,7 @@
             </a:pPr>
             <a:r>
               <a:rPr lang="en-US" sz="2800" dirty="0"/>
-              <a:t>INFO</a:t>
+              <a:t>WHY?</a:t>
             </a:r>
           </a:p>
           <a:p>
@@ -3502,8 +3534,14 @@
             </a:pPr>
             <a:r>
               <a:rPr lang="en-US" sz="2400" dirty="0"/>
-              <a:t>Flappy Bird is a game where the player must keep a bird in flight while jumping over randomly spawning pipes.</a:t>
-            </a:r>
+              <a:t>We thought a game would be both challenging and fun</a:t>
+            </a:r>
+          </a:p>
+          <a:p>
+            <a:pPr marL="457200" lvl="2" indent="0">
+              <a:buNone/>
+            </a:pPr>
+            <a:endParaRPr lang="en-US" sz="2400" dirty="0"/>
           </a:p>
           <a:p>
             <a:pPr marL="0" indent="0">
@@ -3744,10 +3782,10 @@
       </p:sp>
       <p:pic>
         <p:nvPicPr>
-          <p:cNvPr id="7" name="Content Placeholder 6">
+          <p:cNvPr id="6" name="Content Placeholder 5">
             <a:extLst>
               <a:ext uri="{FF2B5EF4-FFF2-40B4-BE49-F238E27FC236}">
-                <a16:creationId xmlns:a16="http://schemas.microsoft.com/office/drawing/2014/main" id="{7645AED6-45F9-4A09-AD0A-F26BB6C507FB}"/>
+                <a16:creationId xmlns:a16="http://schemas.microsoft.com/office/drawing/2014/main" id="{19CD9B08-6BFE-42F6-9C21-D72DD6AE4A15}"/>
               </a:ext>
             </a:extLst>
           </p:cNvPr>
@@ -3766,8 +3804,8 @@
         </p:blipFill>
         <p:spPr>
           <a:xfrm>
-            <a:off x="660055" y="1752183"/>
-            <a:ext cx="10947167" cy="5039804"/>
+            <a:off x="47669" y="1977656"/>
+            <a:ext cx="12018297" cy="4394856"/>
           </a:xfrm>
         </p:spPr>
       </p:pic>
@@ -3817,7 +3855,7 @@
           <p:cNvPr id="2" name="Title 1">
             <a:extLst>
               <a:ext uri="{FF2B5EF4-FFF2-40B4-BE49-F238E27FC236}">
-                <a16:creationId xmlns:a16="http://schemas.microsoft.com/office/drawing/2014/main" id="{D882078E-8433-403C-9A03-1063D1D0F769}"/>
+                <a16:creationId xmlns:a16="http://schemas.microsoft.com/office/drawing/2014/main" id="{65AA5AC1-9138-48AD-87BC-E81228EDCC2B}"/>
               </a:ext>
             </a:extLst>
           </p:cNvPr>
@@ -3830,7 +3868,7 @@
         </p:nvSpPr>
         <p:spPr>
           <a:xfrm>
-            <a:off x="2231136" y="382801"/>
+            <a:off x="2231136" y="433064"/>
             <a:ext cx="7729728" cy="1188720"/>
           </a:xfrm>
         </p:spPr>
@@ -3840,40 +3878,44 @@
           <a:p>
             <a:r>
               <a:rPr lang="en-US" dirty="0"/>
-              <a:t>Demo</a:t>
-            </a:r>
-          </a:p>
-        </p:txBody>
-      </p:sp>
-      <p:sp>
-        <p:nvSpPr>
-          <p:cNvPr id="3" name="Content Placeholder 2">
+              <a:t>Class Diagrams</a:t>
+            </a:r>
+          </a:p>
+        </p:txBody>
+      </p:sp>
+      <p:pic>
+        <p:nvPicPr>
+          <p:cNvPr id="5" name="Content Placeholder 4">
             <a:extLst>
               <a:ext uri="{FF2B5EF4-FFF2-40B4-BE49-F238E27FC236}">
-                <a16:creationId xmlns:a16="http://schemas.microsoft.com/office/drawing/2014/main" id="{72438B09-F31D-41E2-9DAD-8B161953C31B}"/>
+                <a16:creationId xmlns:a16="http://schemas.microsoft.com/office/drawing/2014/main" id="{D2A67C8A-C92E-4D9A-AB5E-E4DB386A1681}"/>
               </a:ext>
             </a:extLst>
           </p:cNvPr>
-          <p:cNvSpPr>
-            <a:spLocks noGrp="1"/>
-          </p:cNvSpPr>
+          <p:cNvPicPr>
+            <a:picLocks noGrp="1" noChangeAspect="1"/>
+          </p:cNvPicPr>
           <p:nvPr>
             <p:ph idx="1"/>
           </p:nvPr>
-        </p:nvSpPr>
-        <p:spPr/>
-        <p:txBody>
-          <a:bodyPr/>
-          <a:lstStyle/>
-          <a:p>
-            <a:endParaRPr lang="en-US"/>
-          </a:p>
-        </p:txBody>
-      </p:sp>
+        </p:nvPicPr>
+        <p:blipFill>
+          <a:blip r:embed="rId2"/>
+          <a:stretch>
+            <a:fillRect/>
+          </a:stretch>
+        </p:blipFill>
+        <p:spPr>
+          <a:xfrm>
+            <a:off x="1375679" y="1818134"/>
+            <a:ext cx="9542115" cy="4929423"/>
+          </a:xfrm>
+        </p:spPr>
+      </p:pic>
     </p:spTree>
     <p:extLst>
       <p:ext uri="{BB962C8B-B14F-4D97-AF65-F5344CB8AC3E}">
-        <p14:creationId xmlns:p14="http://schemas.microsoft.com/office/powerpoint/2010/main" val="2918915789"/>
+        <p14:creationId xmlns:p14="http://schemas.microsoft.com/office/powerpoint/2010/main" val="3101478395"/>
       </p:ext>
     </p:extLst>
   </p:cSld>
@@ -3916,6 +3958,211 @@
           <p:cNvPr id="2" name="Title 1">
             <a:extLst>
               <a:ext uri="{FF2B5EF4-FFF2-40B4-BE49-F238E27FC236}">
+                <a16:creationId xmlns:a16="http://schemas.microsoft.com/office/drawing/2014/main" id="{AFB1484B-9262-4EF9-9197-862E418B29CF}"/>
+              </a:ext>
+            </a:extLst>
+          </p:cNvPr>
+          <p:cNvSpPr>
+            <a:spLocks noGrp="1"/>
+          </p:cNvSpPr>
+          <p:nvPr>
+            <p:ph type="title"/>
+          </p:nvPr>
+        </p:nvSpPr>
+        <p:spPr>
+          <a:xfrm>
+            <a:off x="2231136" y="454329"/>
+            <a:ext cx="7729728" cy="1188720"/>
+          </a:xfrm>
+        </p:spPr>
+        <p:txBody>
+          <a:bodyPr/>
+          <a:lstStyle/>
+          <a:p>
+            <a:r>
+              <a:rPr lang="en-US" dirty="0"/>
+              <a:t>CLASS Diagrams</a:t>
+            </a:r>
+          </a:p>
+        </p:txBody>
+      </p:sp>
+      <p:pic>
+        <p:nvPicPr>
+          <p:cNvPr id="5" name="Content Placeholder 4">
+            <a:extLst>
+              <a:ext uri="{FF2B5EF4-FFF2-40B4-BE49-F238E27FC236}">
+                <a16:creationId xmlns:a16="http://schemas.microsoft.com/office/drawing/2014/main" id="{243A6276-E69B-478E-B348-253F167265F8}"/>
+              </a:ext>
+            </a:extLst>
+          </p:cNvPr>
+          <p:cNvPicPr>
+            <a:picLocks noGrp="1" noChangeAspect="1"/>
+          </p:cNvPicPr>
+          <p:nvPr>
+            <p:ph idx="1"/>
+          </p:nvPr>
+        </p:nvPicPr>
+        <p:blipFill>
+          <a:blip r:embed="rId2"/>
+          <a:stretch>
+            <a:fillRect/>
+          </a:stretch>
+        </p:blipFill>
+        <p:spPr>
+          <a:xfrm>
+            <a:off x="1293627" y="1799233"/>
+            <a:ext cx="9604745" cy="4879242"/>
+          </a:xfrm>
+        </p:spPr>
+      </p:pic>
+    </p:spTree>
+    <p:extLst>
+      <p:ext uri="{BB962C8B-B14F-4D97-AF65-F5344CB8AC3E}">
+        <p14:creationId xmlns:p14="http://schemas.microsoft.com/office/powerpoint/2010/main" val="1790462965"/>
+      </p:ext>
+    </p:extLst>
+  </p:cSld>
+  <p:clrMapOvr>
+    <a:masterClrMapping/>
+  </p:clrMapOvr>
+</p:sld>
+</file>
+
+<file path=ppt/slides/slide7.xml><?xml version="1.0" encoding="utf-8"?>
+<p:sld xmlns:a="http://schemas.openxmlformats.org/drawingml/2006/main" xmlns:r="http://schemas.openxmlformats.org/officeDocument/2006/relationships" xmlns:p="http://schemas.openxmlformats.org/presentationml/2006/main">
+  <p:cSld>
+    <p:bg>
+      <p:bgPr>
+        <a:solidFill>
+          <a:schemeClr val="accent2">
+            <a:lumMod val="40000"/>
+            <a:lumOff val="60000"/>
+          </a:schemeClr>
+        </a:solidFill>
+        <a:effectLst/>
+      </p:bgPr>
+    </p:bg>
+    <p:spTree>
+      <p:nvGrpSpPr>
+        <p:cNvPr id="1" name=""/>
+        <p:cNvGrpSpPr/>
+        <p:nvPr/>
+      </p:nvGrpSpPr>
+      <p:grpSpPr>
+        <a:xfrm>
+          <a:off x="0" y="0"/>
+          <a:ext cx="0" cy="0"/>
+          <a:chOff x="0" y="0"/>
+          <a:chExt cx="0" cy="0"/>
+        </a:xfrm>
+      </p:grpSpPr>
+      <p:sp>
+        <p:nvSpPr>
+          <p:cNvPr id="2" name="Title 1">
+            <a:extLst>
+              <a:ext uri="{FF2B5EF4-FFF2-40B4-BE49-F238E27FC236}">
+                <a16:creationId xmlns:a16="http://schemas.microsoft.com/office/drawing/2014/main" id="{D882078E-8433-403C-9A03-1063D1D0F769}"/>
+              </a:ext>
+            </a:extLst>
+          </p:cNvPr>
+          <p:cNvSpPr>
+            <a:spLocks noGrp="1"/>
+          </p:cNvSpPr>
+          <p:nvPr>
+            <p:ph type="title"/>
+          </p:nvPr>
+        </p:nvSpPr>
+        <p:spPr>
+          <a:xfrm>
+            <a:off x="2231136" y="382801"/>
+            <a:ext cx="7729728" cy="1188720"/>
+          </a:xfrm>
+        </p:spPr>
+        <p:txBody>
+          <a:bodyPr/>
+          <a:lstStyle/>
+          <a:p>
+            <a:r>
+              <a:rPr lang="en-US" dirty="0"/>
+              <a:t>Demo</a:t>
+            </a:r>
+          </a:p>
+        </p:txBody>
+      </p:sp>
+      <p:pic>
+        <p:nvPicPr>
+          <p:cNvPr id="5" name="Content Placeholder 4">
+            <a:extLst>
+              <a:ext uri="{FF2B5EF4-FFF2-40B4-BE49-F238E27FC236}">
+                <a16:creationId xmlns:a16="http://schemas.microsoft.com/office/drawing/2014/main" id="{830776A7-91B4-4F17-B03D-9669DBF01745}"/>
+              </a:ext>
+            </a:extLst>
+          </p:cNvPr>
+          <p:cNvPicPr>
+            <a:picLocks noGrp="1" noChangeAspect="1"/>
+          </p:cNvPicPr>
+          <p:nvPr>
+            <p:ph idx="1"/>
+          </p:nvPr>
+        </p:nvPicPr>
+        <p:blipFill rotWithShape="1">
+          <a:blip r:embed="rId2"/>
+          <a:srcRect r="-7"/>
+          <a:stretch/>
+        </p:blipFill>
+        <p:spPr>
+          <a:xfrm rot="21239018">
+            <a:off x="3374703" y="2128048"/>
+            <a:ext cx="4160520" cy="4083667"/>
+          </a:xfrm>
+        </p:spPr>
+      </p:pic>
+    </p:spTree>
+    <p:extLst>
+      <p:ext uri="{BB962C8B-B14F-4D97-AF65-F5344CB8AC3E}">
+        <p14:creationId xmlns:p14="http://schemas.microsoft.com/office/powerpoint/2010/main" val="2918915789"/>
+      </p:ext>
+    </p:extLst>
+  </p:cSld>
+  <p:clrMapOvr>
+    <a:masterClrMapping/>
+  </p:clrMapOvr>
+</p:sld>
+</file>
+
+<file path=ppt/slides/slide8.xml><?xml version="1.0" encoding="utf-8"?>
+<p:sld xmlns:a="http://schemas.openxmlformats.org/drawingml/2006/main" xmlns:r="http://schemas.openxmlformats.org/officeDocument/2006/relationships" xmlns:p="http://schemas.openxmlformats.org/presentationml/2006/main">
+  <p:cSld>
+    <p:bg>
+      <p:bgPr>
+        <a:solidFill>
+          <a:schemeClr val="accent2">
+            <a:lumMod val="40000"/>
+            <a:lumOff val="60000"/>
+          </a:schemeClr>
+        </a:solidFill>
+        <a:effectLst/>
+      </p:bgPr>
+    </p:bg>
+    <p:spTree>
+      <p:nvGrpSpPr>
+        <p:cNvPr id="1" name=""/>
+        <p:cNvGrpSpPr/>
+        <p:nvPr/>
+      </p:nvGrpSpPr>
+      <p:grpSpPr>
+        <a:xfrm>
+          <a:off x="0" y="0"/>
+          <a:ext cx="0" cy="0"/>
+          <a:chOff x="0" y="0"/>
+          <a:chExt cx="0" cy="0"/>
+        </a:xfrm>
+      </p:grpSpPr>
+      <p:sp>
+        <p:nvSpPr>
+          <p:cNvPr id="2" name="Title 1">
+            <a:extLst>
+              <a:ext uri="{FF2B5EF4-FFF2-40B4-BE49-F238E27FC236}">
                 <a16:creationId xmlns:a16="http://schemas.microsoft.com/office/drawing/2014/main" id="{99C36C7C-637E-4A8C-8B0D-1B9E14C0B5B5}"/>
               </a:ext>
             </a:extLst>
@@ -4015,6 +4262,36 @@
           </a:p>
         </p:txBody>
       </p:sp>
+      <p:pic>
+        <p:nvPicPr>
+          <p:cNvPr id="5" name="Picture 4">
+            <a:extLst>
+              <a:ext uri="{FF2B5EF4-FFF2-40B4-BE49-F238E27FC236}">
+                <a16:creationId xmlns:a16="http://schemas.microsoft.com/office/drawing/2014/main" id="{3FC64861-748A-4AB2-AE6E-A9B34AA0F728}"/>
+              </a:ext>
+            </a:extLst>
+          </p:cNvPr>
+          <p:cNvPicPr>
+            <a:picLocks noChangeAspect="1"/>
+          </p:cNvPicPr>
+          <p:nvPr/>
+        </p:nvPicPr>
+        <p:blipFill>
+          <a:blip r:embed="rId2"/>
+          <a:stretch>
+            <a:fillRect/>
+          </a:stretch>
+        </p:blipFill>
+        <p:spPr>
+          <a:xfrm>
+            <a:off x="3339897" y="1339702"/>
+            <a:ext cx="6986588" cy="6858000"/>
+          </a:xfrm>
+          <a:prstGeom prst="rect">
+            <a:avLst/>
+          </a:prstGeom>
+        </p:spPr>
+      </p:pic>
     </p:spTree>
     <p:extLst>
       <p:ext uri="{BB962C8B-B14F-4D97-AF65-F5344CB8AC3E}">
@@ -4028,7 +4305,7 @@
 </p:sld>
 </file>
 
-<file path=ppt/slides/slide7.xml><?xml version="1.0" encoding="utf-8"?>
+<file path=ppt/slides/slide9.xml><?xml version="1.0" encoding="utf-8"?>
 <p:sld xmlns:a="http://schemas.openxmlformats.org/drawingml/2006/main" xmlns:r="http://schemas.openxmlformats.org/officeDocument/2006/relationships" xmlns:p="http://schemas.openxmlformats.org/presentationml/2006/main">
   <p:cSld>
     <p:bg>

--- a/Leapin’ llamas.pptx
+++ b/Leapin’ llamas.pptx
@@ -3782,10 +3782,10 @@
       </p:sp>
       <p:pic>
         <p:nvPicPr>
-          <p:cNvPr id="6" name="Content Placeholder 5">
+          <p:cNvPr id="7" name="Content Placeholder 6">
             <a:extLst>
               <a:ext uri="{FF2B5EF4-FFF2-40B4-BE49-F238E27FC236}">
-                <a16:creationId xmlns:a16="http://schemas.microsoft.com/office/drawing/2014/main" id="{19CD9B08-6BFE-42F6-9C21-D72DD6AE4A15}"/>
+                <a16:creationId xmlns:a16="http://schemas.microsoft.com/office/drawing/2014/main" id="{539F63A9-5F19-4B5E-A358-B9F5BB561A00}"/>
               </a:ext>
             </a:extLst>
           </p:cNvPr>
@@ -3804,8 +3804,8 @@
         </p:blipFill>
         <p:spPr>
           <a:xfrm>
-            <a:off x="47669" y="1977656"/>
-            <a:ext cx="12018297" cy="4394856"/>
+            <a:off x="1163764" y="1744926"/>
+            <a:ext cx="10018042" cy="4981499"/>
           </a:xfrm>
         </p:spPr>
       </p:pic>
@@ -3907,11 +3907,65 @@
         </p:blipFill>
         <p:spPr>
           <a:xfrm>
-            <a:off x="1375679" y="1818134"/>
+            <a:off x="1375679" y="1781558"/>
             <a:ext cx="9542115" cy="4929423"/>
           </a:xfrm>
         </p:spPr>
       </p:pic>
+      <p:sp>
+        <p:nvSpPr>
+          <p:cNvPr id="3" name="Rectangle 2">
+            <a:extLst>
+              <a:ext uri="{FF2B5EF4-FFF2-40B4-BE49-F238E27FC236}">
+                <a16:creationId xmlns:a16="http://schemas.microsoft.com/office/drawing/2014/main" id="{E01ADD3F-F013-4CE4-B49A-2D2F9F0EFC32}"/>
+              </a:ext>
+            </a:extLst>
+          </p:cNvPr>
+          <p:cNvSpPr/>
+          <p:nvPr/>
+        </p:nvSpPr>
+        <p:spPr>
+          <a:xfrm>
+            <a:off x="9211927" y="3364992"/>
+            <a:ext cx="1708622" cy="2053481"/>
+          </a:xfrm>
+          <a:prstGeom prst="rect">
+            <a:avLst/>
+          </a:prstGeom>
+          <a:solidFill>
+            <a:schemeClr val="bg1"/>
+          </a:solidFill>
+          <a:ln>
+            <a:solidFill>
+              <a:schemeClr val="bg1"/>
+            </a:solidFill>
+          </a:ln>
+        </p:spPr>
+        <p:style>
+          <a:lnRef idx="2">
+            <a:schemeClr val="accent1">
+              <a:shade val="50000"/>
+            </a:schemeClr>
+          </a:lnRef>
+          <a:fillRef idx="1">
+            <a:schemeClr val="accent1"/>
+          </a:fillRef>
+          <a:effectRef idx="0">
+            <a:schemeClr val="accent1"/>
+          </a:effectRef>
+          <a:fontRef idx="minor">
+            <a:schemeClr val="lt1"/>
+          </a:fontRef>
+        </p:style>
+        <p:txBody>
+          <a:bodyPr rtlCol="0" anchor="ctr"/>
+          <a:lstStyle/>
+          <a:p>
+            <a:pPr algn="ctr"/>
+            <a:endParaRPr lang="en-US" dirty="0"/>
+          </a:p>
+        </p:txBody>
+      </p:sp>
     </p:spTree>
     <p:extLst>
       <p:ext uri="{BB962C8B-B14F-4D97-AF65-F5344CB8AC3E}">
@@ -3988,10 +4042,10 @@
       </p:sp>
       <p:pic>
         <p:nvPicPr>
-          <p:cNvPr id="5" name="Content Placeholder 4">
+          <p:cNvPr id="7" name="Content Placeholder 6">
             <a:extLst>
               <a:ext uri="{FF2B5EF4-FFF2-40B4-BE49-F238E27FC236}">
-                <a16:creationId xmlns:a16="http://schemas.microsoft.com/office/drawing/2014/main" id="{243A6276-E69B-478E-B348-253F167265F8}"/>
+                <a16:creationId xmlns:a16="http://schemas.microsoft.com/office/drawing/2014/main" id="{616D7C1D-E843-4E77-B241-87A0A8E98BBE}"/>
               </a:ext>
             </a:extLst>
           </p:cNvPr>
@@ -4010,8 +4064,8 @@
         </p:blipFill>
         <p:spPr>
           <a:xfrm>
-            <a:off x="1293627" y="1799233"/>
-            <a:ext cx="9604745" cy="4879242"/>
+            <a:off x="1332807" y="1812853"/>
+            <a:ext cx="9446662" cy="4880113"/>
           </a:xfrm>
         </p:spPr>
       </p:pic>
